--- a/02 - Objet/01_Cours Objet/3.Exercice Programmation Orienté Objet (POO) v2.1.0 ST 1 1.pptx
+++ b/02 - Objet/01_Cours Objet/3.Exercice Programmation Orienté Objet (POO) v2.1.0 ST 1 1.pptx
@@ -309,16 +309,32 @@
 </p:presentation>
 </file>
 
-<file path=ppt/revisionInfo.xml><?xml version="1.0" encoding="utf-8"?>
-<p1510:revInfo xmlns:a="http://schemas.openxmlformats.org/drawingml/2006/main" xmlns:r="http://schemas.openxmlformats.org/officeDocument/2006/relationships" xmlns:p1510="http://schemas.microsoft.com/office/powerpoint/2015/10/main">
-  <p1510:revLst>
-    <p1510:client id="{CCE12F36-D35C-C87D-6C6F-DB0100AD8931}" v="1" dt="2025-02-18T08:38:09.687"/>
-  </p1510:revLst>
-</p1510:revInfo>
-</file>
-
 <file path=ppt/changesInfos/changesInfo1.xml><?xml version="1.0" encoding="utf-8"?>
 <pc:chgInfo xmlns:a="http://schemas.openxmlformats.org/drawingml/2006/main" xmlns:r="http://schemas.openxmlformats.org/officeDocument/2006/relationships" xmlns:ac="http://schemas.microsoft.com/office/drawing/2013/main/command" xmlns:pc="http://schemas.microsoft.com/office/powerpoint/2013/main/command">
+  <pc:docChgLst>
+    <pc:chgData name="DE BRITO Jessy" userId="8b2675eb-f6c5-4fc2-a0b3-207325e583fc" providerId="ADAL" clId="{61C5EABF-25E1-4843-A9A1-D7564ABF4033}"/>
+    <pc:docChg chg="undo custSel modSld">
+      <pc:chgData name="DE BRITO Jessy" userId="8b2675eb-f6c5-4fc2-a0b3-207325e583fc" providerId="ADAL" clId="{61C5EABF-25E1-4843-A9A1-D7564ABF4033}" dt="2025-06-05T12:54:13.888" v="14" actId="20577"/>
+      <pc:docMkLst>
+        <pc:docMk/>
+      </pc:docMkLst>
+      <pc:sldChg chg="modSp mod">
+        <pc:chgData name="DE BRITO Jessy" userId="8b2675eb-f6c5-4fc2-a0b3-207325e583fc" providerId="ADAL" clId="{61C5EABF-25E1-4843-A9A1-D7564ABF4033}" dt="2025-06-05T12:54:13.888" v="14" actId="20577"/>
+        <pc:sldMkLst>
+          <pc:docMk/>
+          <pc:sldMk cId="0" sldId="275"/>
+        </pc:sldMkLst>
+        <pc:spChg chg="mod">
+          <ac:chgData name="DE BRITO Jessy" userId="8b2675eb-f6c5-4fc2-a0b3-207325e583fc" providerId="ADAL" clId="{61C5EABF-25E1-4843-A9A1-D7564ABF4033}" dt="2025-06-05T12:54:13.888" v="14" actId="20577"/>
+          <ac:spMkLst>
+            <pc:docMk/>
+            <pc:sldMk cId="0" sldId="275"/>
+            <ac:spMk id="3" creationId="{00000000-0000-0000-0000-000000000000}"/>
+          </ac:spMkLst>
+        </pc:spChg>
+      </pc:sldChg>
+    </pc:docChg>
+  </pc:docChgLst>
   <pc:docChgLst>
     <pc:chgData name="Utilisateur invité" userId="S::urn:spo:anon#5eb0d7d63183d07c9a49430f4250b2a98899b2ed5e441eb1841cd208589f8986::" providerId="AD" clId="Web-{CCE12F36-D35C-C87D-6C6F-DB0100AD8931}"/>
     <pc:docChg chg="sldOrd">
@@ -421,7 +437,7 @@
             <a:fld id="{8D7B3548-5A9D-4D75-8817-7D1339F50070}" type="datetimeFigureOut">
               <a:rPr lang="fr-FR" smtClean="0"/>
               <a:pPr/>
-              <a:t>18/02/2025</a:t>
+              <a:t>05/06/2025</a:t>
             </a:fld>
             <a:endParaRPr lang="fr-FR"/>
           </a:p>
@@ -829,7 +845,7 @@
             <a:fld id="{C437C658-8D4C-47F9-A75C-0D2991D047FE}" type="datetime1">
               <a:rPr lang="fr-FR" smtClean="0"/>
               <a:pPr/>
-              <a:t>18/02/2025</a:t>
+              <a:t>05/06/2025</a:t>
             </a:fld>
             <a:endParaRPr lang="fr-BE"/>
           </a:p>
@@ -1700,7 +1716,7 @@
             <a:fld id="{EC423CA3-03C0-49EF-81D4-CFF4BB0E0CCA}" type="datetime1">
               <a:rPr lang="fr-FR" smtClean="0"/>
               <a:pPr/>
-              <a:t>18/02/2025</a:t>
+              <a:t>05/06/2025</a:t>
             </a:fld>
             <a:endParaRPr lang="fr-BE"/>
           </a:p>
@@ -1877,7 +1893,7 @@
             <a:fld id="{E216D527-35A7-4A7A-9884-01E5CDE3E5A4}" type="datetime1">
               <a:rPr lang="fr-FR" smtClean="0"/>
               <a:pPr/>
-              <a:t>18/02/2025</a:t>
+              <a:t>05/06/2025</a:t>
             </a:fld>
             <a:endParaRPr lang="fr-BE"/>
           </a:p>
@@ -2049,7 +2065,7 @@
             <a:fld id="{757BF8AB-CD0A-469A-859F-B62421D67776}" type="datetime1">
               <a:rPr lang="fr-FR" smtClean="0"/>
               <a:pPr/>
-              <a:t>18/02/2025</a:t>
+              <a:t>05/06/2025</a:t>
             </a:fld>
             <a:endParaRPr lang="fr-BE"/>
           </a:p>
@@ -2261,7 +2277,7 @@
             <a:fld id="{D41F2E60-4DCE-4C8D-9588-D3B4779CAB35}" type="datetime1">
               <a:rPr lang="fr-FR" smtClean="0"/>
               <a:pPr/>
-              <a:t>18/02/2025</a:t>
+              <a:t>05/06/2025</a:t>
             </a:fld>
             <a:endParaRPr lang="fr-BE"/>
           </a:p>
@@ -3077,7 +3093,7 @@
             <a:fld id="{CF5F539A-F26F-4A85-B46F-4014B6577472}" type="datetime1">
               <a:rPr lang="fr-FR" smtClean="0"/>
               <a:pPr/>
-              <a:t>18/02/2025</a:t>
+              <a:t>05/06/2025</a:t>
             </a:fld>
             <a:endParaRPr lang="fr-BE"/>
           </a:p>
@@ -3315,7 +3331,7 @@
             <a:fld id="{4EC6EB92-5ADA-44FF-B294-62DC5691CBE4}" type="datetime1">
               <a:rPr lang="fr-FR" smtClean="0"/>
               <a:pPr/>
-              <a:t>18/02/2025</a:t>
+              <a:t>05/06/2025</a:t>
             </a:fld>
             <a:endParaRPr lang="fr-BE"/>
           </a:p>
@@ -3640,7 +3656,7 @@
             <a:fld id="{CFD3A281-2F8C-4077-8F73-53D6993E6F5F}" type="datetime1">
               <a:rPr lang="fr-FR" smtClean="0"/>
               <a:pPr/>
-              <a:t>18/02/2025</a:t>
+              <a:t>05/06/2025</a:t>
             </a:fld>
             <a:endParaRPr lang="fr-BE"/>
           </a:p>
@@ -3732,7 +3748,7 @@
             <a:fld id="{2B6F1A48-1AC0-4131-9366-6D216501CA28}" type="datetime1">
               <a:rPr lang="fr-FR" smtClean="0"/>
               <a:pPr/>
-              <a:t>18/02/2025</a:t>
+              <a:t>05/06/2025</a:t>
             </a:fld>
             <a:endParaRPr lang="fr-BE"/>
           </a:p>
@@ -4251,7 +4267,7 @@
             <a:fld id="{FF2C4F34-FE7B-426B-B950-A237D4B320F4}" type="datetime1">
               <a:rPr lang="fr-FR" smtClean="0"/>
               <a:pPr/>
-              <a:t>18/02/2025</a:t>
+              <a:t>05/06/2025</a:t>
             </a:fld>
             <a:endParaRPr lang="fr-BE"/>
           </a:p>
@@ -4764,7 +4780,7 @@
             <a:fld id="{3A7A4B61-ACA1-4752-B54B-368AD516D48E}" type="datetime1">
               <a:rPr lang="fr-FR" smtClean="0"/>
               <a:pPr/>
-              <a:t>18/02/2025</a:t>
+              <a:t>05/06/2025</a:t>
             </a:fld>
             <a:endParaRPr lang="fr-BE"/>
           </a:p>
@@ -5011,7 +5027,7 @@
             <a:fld id="{10BD0D7C-6207-419E-AD46-BD4E8C046A7B}" type="datetime1">
               <a:rPr lang="fr-FR" smtClean="0"/>
               <a:pPr/>
-              <a:t>18/02/2025</a:t>
+              <a:t>05/06/2025</a:t>
             </a:fld>
             <a:endParaRPr lang="fr-BE"/>
           </a:p>
@@ -10333,10 +10349,9 @@
               <a:buNone/>
             </a:pPr>
             <a:r>
-              <a:rPr lang="fr-FR"/>
+              <a:rPr lang="fr-FR" dirty="0"/>
               <a:t>}</a:t>
             </a:r>
-            <a:endParaRPr lang="fr-FR" dirty="0"/>
           </a:p>
           <a:p>
             <a:endParaRPr lang="fr-FR" dirty="0"/>
@@ -22169,26 +22184,6 @@
 </file>
 
 <file path=customXml/item1.xml><?xml version="1.0" encoding="utf-8"?>
-<p:properties xmlns:p="http://schemas.microsoft.com/office/2006/metadata/properties" xmlns:xsi="http://www.w3.org/2001/XMLSchema-instance" xmlns:pc="http://schemas.microsoft.com/office/infopath/2007/PartnerControls">
-  <documentManagement>
-    <TaxCatchAll xmlns="66eaceda-cbf3-468d-8b56-0d06245bcac2" xsi:nil="true"/>
-    <lcf76f155ced4ddcb4097134ff3c332f xmlns="6080a0f0-b892-4d13-a236-ec5452db6204">
-      <Terms xmlns="http://schemas.microsoft.com/office/infopath/2007/PartnerControls"/>
-    </lcf76f155ced4ddcb4097134ff3c332f>
-  </documentManagement>
-</p:properties>
-</file>
-
-<file path=customXml/item2.xml><?xml version="1.0" encoding="utf-8"?>
-<?mso-contentType ?>
-<FormTemplates xmlns="http://schemas.microsoft.com/sharepoint/v3/contenttype/forms">
-  <Display>DocumentLibraryForm</Display>
-  <Edit>DocumentLibraryForm</Edit>
-  <New>DocumentLibraryForm</New>
-</FormTemplates>
-</file>
-
-<file path=customXml/item3.xml><?xml version="1.0" encoding="utf-8"?>
 <ct:contentTypeSchema xmlns:ct="http://schemas.microsoft.com/office/2006/metadata/contentType" xmlns:ma="http://schemas.microsoft.com/office/2006/metadata/properties/metaAttributes" ct:_="" ma:_="" ma:contentTypeName="Document" ma:contentTypeID="0x010100A54D18AFC2ED4A46A0F9BA49ABF7FDFD" ma:contentTypeVersion="13" ma:contentTypeDescription="Crée un document." ma:contentTypeScope="" ma:versionID="feaba2c5717e9f9dc85dc4881b89de5b">
   <xsd:schema xmlns:xsd="http://www.w3.org/2001/XMLSchema" xmlns:xs="http://www.w3.org/2001/XMLSchema" xmlns:p="http://schemas.microsoft.com/office/2006/metadata/properties" xmlns:ns2="6080a0f0-b892-4d13-a236-ec5452db6204" xmlns:ns3="66eaceda-cbf3-468d-8b56-0d06245bcac2" targetNamespace="http://schemas.microsoft.com/office/2006/metadata/properties" ma:root="true" ma:fieldsID="0b5e33d26f4424f18b49e31c91a2c042" ns2:_="" ns3:_="">
     <xsd:import namespace="6080a0f0-b892-4d13-a236-ec5452db6204"/>
@@ -22411,7 +22406,46 @@
 </ct:contentTypeSchema>
 </file>
 
+<file path=customXml/item2.xml><?xml version="1.0" encoding="utf-8"?>
+<p:properties xmlns:p="http://schemas.microsoft.com/office/2006/metadata/properties" xmlns:xsi="http://www.w3.org/2001/XMLSchema-instance" xmlns:pc="http://schemas.microsoft.com/office/infopath/2007/PartnerControls">
+  <documentManagement>
+    <TaxCatchAll xmlns="66eaceda-cbf3-468d-8b56-0d06245bcac2" xsi:nil="true"/>
+    <lcf76f155ced4ddcb4097134ff3c332f xmlns="6080a0f0-b892-4d13-a236-ec5452db6204">
+      <Terms xmlns="http://schemas.microsoft.com/office/infopath/2007/PartnerControls"/>
+    </lcf76f155ced4ddcb4097134ff3c332f>
+  </documentManagement>
+</p:properties>
+</file>
+
+<file path=customXml/item3.xml><?xml version="1.0" encoding="utf-8"?>
+<?mso-contentType ?>
+<FormTemplates xmlns="http://schemas.microsoft.com/sharepoint/v3/contenttype/forms">
+  <Display>DocumentLibraryForm</Display>
+  <Edit>DocumentLibraryForm</Edit>
+  <New>DocumentLibraryForm</New>
+</FormTemplates>
+</file>
+
 <file path=customXml/itemProps1.xml><?xml version="1.0" encoding="utf-8"?>
+<ds:datastoreItem xmlns:ds="http://schemas.openxmlformats.org/officeDocument/2006/customXml" ds:itemID="{E3687D87-320E-4B52-89BC-B6069C5A9498}">
+  <ds:schemaRefs>
+    <ds:schemaRef ds:uri="http://schemas.microsoft.com/office/2006/metadata/contentType"/>
+    <ds:schemaRef ds:uri="http://schemas.microsoft.com/office/2006/metadata/properties/metaAttributes"/>
+    <ds:schemaRef ds:uri="http://www.w3.org/2001/XMLSchema"/>
+    <ds:schemaRef ds:uri="http://schemas.microsoft.com/office/2006/metadata/properties"/>
+    <ds:schemaRef ds:uri="6080a0f0-b892-4d13-a236-ec5452db6204"/>
+    <ds:schemaRef ds:uri="66eaceda-cbf3-468d-8b56-0d06245bcac2"/>
+    <ds:schemaRef ds:uri="http://schemas.microsoft.com/office/2006/documentManagement/types"/>
+    <ds:schemaRef ds:uri="http://schemas.microsoft.com/office/infopath/2007/PartnerControls"/>
+    <ds:schemaRef ds:uri="http://schemas.openxmlformats.org/package/2006/metadata/core-properties"/>
+    <ds:schemaRef ds:uri="http://purl.org/dc/elements/1.1/"/>
+    <ds:schemaRef ds:uri="http://purl.org/dc/terms/"/>
+    <ds:schemaRef ds:uri="http://schemas.microsoft.com/internal/obd"/>
+  </ds:schemaRefs>
+</ds:datastoreItem>
+</file>
+
+<file path=customXml/itemProps2.xml><?xml version="1.0" encoding="utf-8"?>
 <ds:datastoreItem xmlns:ds="http://schemas.openxmlformats.org/officeDocument/2006/customXml" ds:itemID="{6D32A8A2-88DF-4F56-8D6F-0F7142E9368A}">
   <ds:schemaRefs>
     <ds:schemaRef ds:uri="http://schemas.microsoft.com/office/2006/metadata/properties"/>
@@ -22428,29 +22462,10 @@
 </ds:datastoreItem>
 </file>
 
-<file path=customXml/itemProps2.xml><?xml version="1.0" encoding="utf-8"?>
+<file path=customXml/itemProps3.xml><?xml version="1.0" encoding="utf-8"?>
 <ds:datastoreItem xmlns:ds="http://schemas.openxmlformats.org/officeDocument/2006/customXml" ds:itemID="{FB2333EC-022C-4C1C-A166-8699C5B93B3E}">
   <ds:schemaRefs>
     <ds:schemaRef ds:uri="http://schemas.microsoft.com/sharepoint/v3/contenttype/forms"/>
   </ds:schemaRefs>
 </ds:datastoreItem>
-</file>
-
-<file path=customXml/itemProps3.xml><?xml version="1.0" encoding="utf-8"?>
-<ds:datastoreItem xmlns:ds="http://schemas.openxmlformats.org/officeDocument/2006/customXml" ds:itemID="{E3687D87-320E-4B52-89BC-B6069C5A9498}">
-  <ds:schemaRefs>
-    <ds:schemaRef ds:uri="http://schemas.microsoft.com/office/2006/metadata/contentType"/>
-    <ds:schemaRef ds:uri="http://schemas.microsoft.com/office/2006/metadata/properties/metaAttributes"/>
-    <ds:schemaRef ds:uri="http://www.w3.org/2001/XMLSchema"/>
-    <ds:schemaRef ds:uri="http://schemas.microsoft.com/office/2006/metadata/properties"/>
-    <ds:schemaRef ds:uri="6080a0f0-b892-4d13-a236-ec5452db6204"/>
-    <ds:schemaRef ds:uri="66eaceda-cbf3-468d-8b56-0d06245bcac2"/>
-    <ds:schemaRef ds:uri="http://schemas.microsoft.com/office/2006/documentManagement/types"/>
-    <ds:schemaRef ds:uri="http://schemas.microsoft.com/office/infopath/2007/PartnerControls"/>
-    <ds:schemaRef ds:uri="http://schemas.openxmlformats.org/package/2006/metadata/core-properties"/>
-    <ds:schemaRef ds:uri="http://purl.org/dc/elements/1.1/"/>
-    <ds:schemaRef ds:uri="http://purl.org/dc/terms/"/>
-    <ds:schemaRef ds:uri="http://schemas.microsoft.com/internal/obd"/>
-  </ds:schemaRefs>
-</ds:datastoreItem>
 </file>